--- a/em1.ppt.pptx
+++ b/em1.ppt.pptx
@@ -14217,28 +14217,7 @@
                 <a:ea typeface="+mj-ea"/>
                 <a:cs typeface="+mj-cs"/>
               </a:rPr>
-              <a:t>Github: @@@@@@</a:t>
-            </a:r>
-          </a:p>
-          <a:p>
-            <a:pPr algn="ctr"/>
-            <a:r>
-              <a:rPr lang="en-US" b="1" i="1" kern="1200" dirty="0">
-                <a:solidFill>
-                  <a:srgbClr val="0070C0"/>
-                </a:solidFill>
-                <a:effectLst>
-                  <a:outerShdw blurRad="76200" dist="38100" dir="3000000" algn="ctr" rotWithShape="0">
-                    <a:schemeClr val="tx1">
-                      <a:alpha val="41000"/>
-                    </a:schemeClr>
-                  </a:outerShdw>
-                </a:effectLst>
-                <a:latin typeface="Bell MT" panose="02020503060305020303" pitchFamily="18" charset="0"/>
-                <a:ea typeface="+mj-ea"/>
-                <a:cs typeface="+mj-cs"/>
-              </a:rPr>
-              <a:t>Cloud:@@@@</a:t>
+              <a:t>Github: https://github.com/Eram334/Node_or_MongoDB_Application_EM1</a:t>
             </a:r>
           </a:p>
           <a:p>
